--- a/docs/images/mr/mr.pptx
+++ b/docs/images/mr/mr.pptx
@@ -220,7 +220,7 @@
           <a:p>
             <a:fld id="{4520374D-A10D-4F16-A346-D54563820891}" type="datetimeFigureOut">
               <a:rPr lang="en-MY" smtClean="0"/>
-              <a:t>7/4/2020</a:t>
+              <a:t>27/6/2021</a:t>
             </a:fld>
             <a:endParaRPr lang="en-MY"/>
           </a:p>
@@ -658,7 +658,7 @@
           <a:p>
             <a:fld id="{48A87A34-81AB-432B-8DAE-1953F412C126}" type="datetimeFigureOut">
               <a:rPr lang="en-US" dirty="0"/>
-              <a:t>4/7/2020</a:t>
+              <a:t>6/27/2021</a:t>
             </a:fld>
             <a:endParaRPr lang="en-US" dirty="0"/>
           </a:p>
@@ -920,7 +920,7 @@
           <a:p>
             <a:fld id="{48A87A34-81AB-432B-8DAE-1953F412C126}" type="datetimeFigureOut">
               <a:rPr lang="en-US" dirty="0"/>
-              <a:t>4/7/2020</a:t>
+              <a:t>6/27/2021</a:t>
             </a:fld>
             <a:endParaRPr lang="en-US" dirty="0"/>
           </a:p>
@@ -1147,7 +1147,7 @@
             <a:fld id="{48A87A34-81AB-432B-8DAE-1953F412C126}" type="datetimeFigureOut">
               <a:rPr lang="en-US" dirty="0"/>
               <a:pPr/>
-              <a:t>4/7/2020</a:t>
+              <a:t>6/27/2021</a:t>
             </a:fld>
             <a:endParaRPr lang="en-US" dirty="0"/>
           </a:p>
@@ -1453,7 +1453,7 @@
             <a:fld id="{48A87A34-81AB-432B-8DAE-1953F412C126}" type="datetimeFigureOut">
               <a:rPr lang="en-US" dirty="0"/>
               <a:pPr/>
-              <a:t>4/7/2020</a:t>
+              <a:t>6/27/2021</a:t>
             </a:fld>
             <a:endParaRPr lang="en-US" dirty="0"/>
           </a:p>
@@ -1922,7 +1922,7 @@
             <a:fld id="{48A87A34-81AB-432B-8DAE-1953F412C126}" type="datetimeFigureOut">
               <a:rPr lang="en-US" dirty="0"/>
               <a:pPr/>
-              <a:t>4/7/2020</a:t>
+              <a:t>6/27/2021</a:t>
             </a:fld>
             <a:endParaRPr lang="en-US" dirty="0"/>
           </a:p>
@@ -2464,7 +2464,7 @@
           <a:p>
             <a:fld id="{48A87A34-81AB-432B-8DAE-1953F412C126}" type="datetimeFigureOut">
               <a:rPr lang="en-US" dirty="0"/>
-              <a:t>4/7/2020</a:t>
+              <a:t>6/27/2021</a:t>
             </a:fld>
             <a:endParaRPr lang="en-US" dirty="0"/>
           </a:p>
@@ -3233,7 +3233,7 @@
           <a:p>
             <a:fld id="{48A87A34-81AB-432B-8DAE-1953F412C126}" type="datetimeFigureOut">
               <a:rPr lang="en-US" dirty="0"/>
-              <a:t>4/7/2020</a:t>
+              <a:t>6/27/2021</a:t>
             </a:fld>
             <a:endParaRPr lang="en-US" dirty="0"/>
           </a:p>
@@ -3403,7 +3403,7 @@
           <a:p>
             <a:fld id="{48A87A34-81AB-432B-8DAE-1953F412C126}" type="datetimeFigureOut">
               <a:rPr lang="en-US" dirty="0"/>
-              <a:t>4/7/2020</a:t>
+              <a:t>6/27/2021</a:t>
             </a:fld>
             <a:endParaRPr lang="en-US" dirty="0"/>
           </a:p>
@@ -3622,7 +3622,7 @@
             <a:fld id="{48A87A34-81AB-432B-8DAE-1953F412C126}" type="datetimeFigureOut">
               <a:rPr lang="en-US" dirty="0"/>
               <a:pPr/>
-              <a:t>4/7/2020</a:t>
+              <a:t>6/27/2021</a:t>
             </a:fld>
             <a:endParaRPr lang="en-US" dirty="0"/>
           </a:p>
@@ -3858,7 +3858,7 @@
           <a:p>
             <a:fld id="{48A87A34-81AB-432B-8DAE-1953F412C126}" type="datetimeFigureOut">
               <a:rPr lang="en-US" smtClean="0"/>
-              <a:t>4/7/2020</a:t>
+              <a:t>6/27/2021</a:t>
             </a:fld>
             <a:endParaRPr lang="en-US" dirty="0"/>
           </a:p>
@@ -4038,7 +4038,7 @@
           <a:p>
             <a:fld id="{48A87A34-81AB-432B-8DAE-1953F412C126}" type="datetimeFigureOut">
               <a:rPr lang="en-US" smtClean="0"/>
-              <a:t>4/7/2020</a:t>
+              <a:t>6/27/2021</a:t>
             </a:fld>
             <a:endParaRPr lang="en-US" dirty="0"/>
           </a:p>
@@ -4208,7 +4208,7 @@
           <a:p>
             <a:fld id="{48A87A34-81AB-432B-8DAE-1953F412C126}" type="datetimeFigureOut">
               <a:rPr lang="en-US" dirty="0"/>
-              <a:t>4/7/2020</a:t>
+              <a:t>6/27/2021</a:t>
             </a:fld>
             <a:endParaRPr lang="en-US" dirty="0"/>
           </a:p>
@@ -4493,7 +4493,7 @@
             <a:fld id="{48A87A34-81AB-432B-8DAE-1953F412C126}" type="datetimeFigureOut">
               <a:rPr lang="en-US" smtClean="0"/>
               <a:pPr/>
-              <a:t>4/7/2020</a:t>
+              <a:t>6/27/2021</a:t>
             </a:fld>
             <a:endParaRPr lang="en-US" dirty="0"/>
           </a:p>
@@ -4735,7 +4735,7 @@
           <a:p>
             <a:fld id="{48A87A34-81AB-432B-8DAE-1953F412C126}" type="datetimeFigureOut">
               <a:rPr lang="en-US" smtClean="0"/>
-              <a:t>4/7/2020</a:t>
+              <a:t>6/27/2021</a:t>
             </a:fld>
             <a:endParaRPr lang="en-US" dirty="0"/>
           </a:p>
@@ -5114,7 +5114,7 @@
           <a:p>
             <a:fld id="{48A87A34-81AB-432B-8DAE-1953F412C126}" type="datetimeFigureOut">
               <a:rPr lang="en-US" smtClean="0"/>
-              <a:t>4/7/2020</a:t>
+              <a:t>6/27/2021</a:t>
             </a:fld>
             <a:endParaRPr lang="en-US" dirty="0"/>
           </a:p>
@@ -5232,7 +5232,7 @@
           <a:p>
             <a:fld id="{48A87A34-81AB-432B-8DAE-1953F412C126}" type="datetimeFigureOut">
               <a:rPr lang="en-US" smtClean="0"/>
-              <a:t>4/7/2020</a:t>
+              <a:t>6/27/2021</a:t>
             </a:fld>
             <a:endParaRPr lang="en-US" dirty="0"/>
           </a:p>
@@ -5327,7 +5327,7 @@
           <a:p>
             <a:fld id="{48A87A34-81AB-432B-8DAE-1953F412C126}" type="datetimeFigureOut">
               <a:rPr lang="en-US" smtClean="0"/>
-              <a:t>4/7/2020</a:t>
+              <a:t>6/27/2021</a:t>
             </a:fld>
             <a:endParaRPr lang="en-US" dirty="0"/>
           </a:p>
@@ -5576,7 +5576,7 @@
           <a:p>
             <a:fld id="{48A87A34-81AB-432B-8DAE-1953F412C126}" type="datetimeFigureOut">
               <a:rPr lang="en-US" smtClean="0"/>
-              <a:t>4/7/2020</a:t>
+              <a:t>6/27/2021</a:t>
             </a:fld>
             <a:endParaRPr lang="en-US" dirty="0"/>
           </a:p>
@@ -5833,7 +5833,7 @@
           <a:p>
             <a:fld id="{48A87A34-81AB-432B-8DAE-1953F412C126}" type="datetimeFigureOut">
               <a:rPr lang="en-US" smtClean="0"/>
-              <a:t>4/7/2020</a:t>
+              <a:t>6/27/2021</a:t>
             </a:fld>
             <a:endParaRPr lang="en-US" dirty="0"/>
           </a:p>
@@ -6090,7 +6090,7 @@
           <a:p>
             <a:fld id="{48A87A34-81AB-432B-8DAE-1953F412C126}" type="datetimeFigureOut">
               <a:rPr lang="en-US" smtClean="0"/>
-              <a:t>4/7/2020</a:t>
+              <a:t>6/27/2021</a:t>
             </a:fld>
             <a:endParaRPr lang="en-US" dirty="0"/>
           </a:p>
@@ -6322,7 +6322,7 @@
             <a:fld id="{48A87A34-81AB-432B-8DAE-1953F412C126}" type="datetimeFigureOut">
               <a:rPr lang="en-US" smtClean="0"/>
               <a:pPr/>
-              <a:t>4/7/2020</a:t>
+              <a:t>6/27/2021</a:t>
             </a:fld>
             <a:endParaRPr lang="en-US" dirty="0"/>
           </a:p>
@@ -6633,7 +6633,7 @@
             <a:fld id="{48A87A34-81AB-432B-8DAE-1953F412C126}" type="datetimeFigureOut">
               <a:rPr lang="en-US" smtClean="0"/>
               <a:pPr/>
-              <a:t>4/7/2020</a:t>
+              <a:t>6/27/2021</a:t>
             </a:fld>
             <a:endParaRPr lang="en-US" dirty="0"/>
           </a:p>
@@ -7165,7 +7165,7 @@
             <a:fld id="{48A87A34-81AB-432B-8DAE-1953F412C126}" type="datetimeFigureOut">
               <a:rPr lang="en-US" dirty="0"/>
               <a:pPr/>
-              <a:t>4/7/2020</a:t>
+              <a:t>6/27/2021</a:t>
             </a:fld>
             <a:endParaRPr lang="en-US" dirty="0"/>
           </a:p>
@@ -7402,7 +7402,7 @@
             <a:fld id="{48A87A34-81AB-432B-8DAE-1953F412C126}" type="datetimeFigureOut">
               <a:rPr lang="en-US" smtClean="0"/>
               <a:pPr/>
-              <a:t>4/7/2020</a:t>
+              <a:t>6/27/2021</a:t>
             </a:fld>
             <a:endParaRPr lang="en-US" dirty="0"/>
           </a:p>
@@ -7949,7 +7949,7 @@
           <a:p>
             <a:fld id="{48A87A34-81AB-432B-8DAE-1953F412C126}" type="datetimeFigureOut">
               <a:rPr lang="en-US" smtClean="0"/>
-              <a:t>4/7/2020</a:t>
+              <a:t>6/27/2021</a:t>
             </a:fld>
             <a:endParaRPr lang="en-US" dirty="0"/>
           </a:p>
@@ -8723,7 +8723,7 @@
           <a:p>
             <a:fld id="{48A87A34-81AB-432B-8DAE-1953F412C126}" type="datetimeFigureOut">
               <a:rPr lang="en-US" smtClean="0"/>
-              <a:t>4/7/2020</a:t>
+              <a:t>6/27/2021</a:t>
             </a:fld>
             <a:endParaRPr lang="en-US" dirty="0"/>
           </a:p>
@@ -8898,7 +8898,7 @@
           <a:p>
             <a:fld id="{48A87A34-81AB-432B-8DAE-1953F412C126}" type="datetimeFigureOut">
               <a:rPr lang="en-US" smtClean="0"/>
-              <a:t>4/7/2020</a:t>
+              <a:t>6/27/2021</a:t>
             </a:fld>
             <a:endParaRPr lang="en-US" dirty="0"/>
           </a:p>
@@ -9122,7 +9122,7 @@
             <a:fld id="{48A87A34-81AB-432B-8DAE-1953F412C126}" type="datetimeFigureOut">
               <a:rPr lang="en-US" smtClean="0"/>
               <a:pPr/>
-              <a:t>4/7/2020</a:t>
+              <a:t>6/27/2021</a:t>
             </a:fld>
             <a:endParaRPr lang="en-US" dirty="0"/>
           </a:p>
@@ -9364,7 +9364,7 @@
           <a:p>
             <a:fld id="{48A87A34-81AB-432B-8DAE-1953F412C126}" type="datetimeFigureOut">
               <a:rPr lang="en-US" dirty="0"/>
-              <a:t>4/7/2020</a:t>
+              <a:t>6/27/2021</a:t>
             </a:fld>
             <a:endParaRPr lang="en-US" dirty="0"/>
           </a:p>
@@ -9738,7 +9738,7 @@
           <a:p>
             <a:fld id="{48A87A34-81AB-432B-8DAE-1953F412C126}" type="datetimeFigureOut">
               <a:rPr lang="en-US" dirty="0"/>
-              <a:t>4/7/2020</a:t>
+              <a:t>6/27/2021</a:t>
             </a:fld>
             <a:endParaRPr lang="en-US" dirty="0"/>
           </a:p>
@@ -9851,7 +9851,7 @@
           <a:p>
             <a:fld id="{48A87A34-81AB-432B-8DAE-1953F412C126}" type="datetimeFigureOut">
               <a:rPr lang="en-US" dirty="0"/>
-              <a:t>4/7/2020</a:t>
+              <a:t>6/27/2021</a:t>
             </a:fld>
             <a:endParaRPr lang="en-US" dirty="0"/>
           </a:p>
@@ -9941,7 +9941,7 @@
           <a:p>
             <a:fld id="{48A87A34-81AB-432B-8DAE-1953F412C126}" type="datetimeFigureOut">
               <a:rPr lang="en-US" dirty="0"/>
-              <a:t>4/7/2020</a:t>
+              <a:t>6/27/2021</a:t>
             </a:fld>
             <a:endParaRPr lang="en-US" dirty="0"/>
           </a:p>
@@ -10185,7 +10185,7 @@
           <a:p>
             <a:fld id="{48A87A34-81AB-432B-8DAE-1953F412C126}" type="datetimeFigureOut">
               <a:rPr lang="en-US" dirty="0"/>
-              <a:t>4/7/2020</a:t>
+              <a:t>6/27/2021</a:t>
             </a:fld>
             <a:endParaRPr lang="en-US" dirty="0"/>
           </a:p>
@@ -10437,7 +10437,7 @@
           <a:p>
             <a:fld id="{48A87A34-81AB-432B-8DAE-1953F412C126}" type="datetimeFigureOut">
               <a:rPr lang="en-US" dirty="0"/>
-              <a:t>4/7/2020</a:t>
+              <a:t>6/27/2021</a:t>
             </a:fld>
             <a:endParaRPr lang="en-US" dirty="0"/>
           </a:p>
@@ -10680,7 +10680,7 @@
             <a:fld id="{48A87A34-81AB-432B-8DAE-1953F412C126}" type="datetimeFigureOut">
               <a:rPr lang="en-US" smtClean="0"/>
               <a:pPr/>
-              <a:t>4/7/2020</a:t>
+              <a:t>6/27/2021</a:t>
             </a:fld>
             <a:endParaRPr lang="en-US" dirty="0"/>
           </a:p>
@@ -11331,7 +11331,7 @@
             <a:fld id="{48A87A34-81AB-432B-8DAE-1953F412C126}" type="datetimeFigureOut">
               <a:rPr lang="en-US" smtClean="0"/>
               <a:pPr/>
-              <a:t>4/7/2020</a:t>
+              <a:t>6/27/2021</a:t>
             </a:fld>
             <a:endParaRPr lang="en-US" dirty="0"/>
           </a:p>
@@ -11623,7 +11623,7 @@
             <a:fld id="{48A87A34-81AB-432B-8DAE-1953F412C126}" type="datetimeFigureOut">
               <a:rPr lang="en-US" smtClean="0"/>
               <a:pPr/>
-              <a:t>4/7/2020</a:t>
+              <a:t>6/27/2021</a:t>
             </a:fld>
             <a:endParaRPr lang="en-US" dirty="0"/>
           </a:p>
@@ -12307,12 +12307,12 @@
           <a:graphicData uri="http://schemas.openxmlformats.org/presentationml/2006/ole">
             <mc:AlternateContent xmlns:mc="http://schemas.openxmlformats.org/markup-compatibility/2006">
               <mc:Choice xmlns:v="urn:schemas-microsoft-com:vml" Requires="v">
-                <p:oleObj spid="_x0000_s38925" name="Equation" r:id="rId3" imgW="774360" imgH="393480" progId="Equation.3">
+                <p:oleObj name="Equation" r:id="rId2" imgW="774360" imgH="393480" progId="Equation.3">
                   <p:embed/>
                 </p:oleObj>
               </mc:Choice>
               <mc:Fallback>
-                <p:oleObj name="Equation" r:id="rId3" imgW="774360" imgH="393480" progId="Equation.3">
+                <p:oleObj name="Equation" r:id="rId2" imgW="774360" imgH="393480" progId="Equation.3">
                   <p:embed/>
                   <p:pic>
                     <p:nvPicPr>
@@ -12323,7 +12323,7 @@
                       <p:nvPr/>
                     </p:nvPicPr>
                     <p:blipFill>
-                      <a:blip r:embed="rId4"/>
+                      <a:blip r:embed="rId3"/>
                       <a:srcRect/>
                       <a:stretch>
                         <a:fillRect/>
@@ -13013,12 +13013,12 @@
           <a:graphicData uri="http://schemas.openxmlformats.org/presentationml/2006/ole">
             <mc:AlternateContent xmlns:mc="http://schemas.openxmlformats.org/markup-compatibility/2006">
               <mc:Choice xmlns:v="urn:schemas-microsoft-com:vml" Requires="v">
-                <p:oleObj spid="_x0000_s39977" name="Equation" r:id="rId3" imgW="1866600" imgH="2400120" progId="Equation.3">
+                <p:oleObj name="Equation" r:id="rId2" imgW="1866600" imgH="2400120" progId="Equation.3">
                   <p:embed/>
                 </p:oleObj>
               </mc:Choice>
               <mc:Fallback>
-                <p:oleObj name="Equation" r:id="rId3" imgW="1866600" imgH="2400120" progId="Equation.3">
+                <p:oleObj name="Equation" r:id="rId2" imgW="1866600" imgH="2400120" progId="Equation.3">
                   <p:embed/>
                   <p:pic>
                     <p:nvPicPr>
@@ -13029,7 +13029,7 @@
                       <p:nvPr/>
                     </p:nvPicPr>
                     <p:blipFill>
-                      <a:blip r:embed="rId4"/>
+                      <a:blip r:embed="rId3"/>
                       <a:srcRect/>
                       <a:stretch>
                         <a:fillRect/>
@@ -13074,12 +13074,12 @@
           <a:graphicData uri="http://schemas.openxmlformats.org/presentationml/2006/ole">
             <mc:AlternateContent xmlns:mc="http://schemas.openxmlformats.org/markup-compatibility/2006">
               <mc:Choice xmlns:v="urn:schemas-microsoft-com:vml" Requires="v">
-                <p:oleObj spid="_x0000_s39978" name="Equation" r:id="rId5" imgW="1981080" imgH="1104840" progId="Equation.3">
+                <p:oleObj name="Equation" r:id="rId4" imgW="1981080" imgH="1104840" progId="Equation.3">
                   <p:embed/>
                 </p:oleObj>
               </mc:Choice>
               <mc:Fallback>
-                <p:oleObj name="Equation" r:id="rId5" imgW="1981080" imgH="1104840" progId="Equation.3">
+                <p:oleObj name="Equation" r:id="rId4" imgW="1981080" imgH="1104840" progId="Equation.3">
                   <p:embed/>
                   <p:pic>
                     <p:nvPicPr>
@@ -13090,7 +13090,7 @@
                       <p:nvPr/>
                     </p:nvPicPr>
                     <p:blipFill>
-                      <a:blip r:embed="rId6"/>
+                      <a:blip r:embed="rId5"/>
                       <a:srcRect/>
                       <a:stretch>
                         <a:fillRect/>
@@ -13144,12 +13144,12 @@
           <a:graphicData uri="http://schemas.openxmlformats.org/presentationml/2006/ole">
             <mc:AlternateContent xmlns:mc="http://schemas.openxmlformats.org/markup-compatibility/2006">
               <mc:Choice xmlns:v="urn:schemas-microsoft-com:vml" Requires="v">
-                <p:oleObj spid="_x0000_s39979" name="Equation" r:id="rId7" imgW="1091880" imgH="634680" progId="Equation.3">
+                <p:oleObj name="Equation" r:id="rId6" imgW="1091880" imgH="634680" progId="Equation.3">
                   <p:embed/>
                 </p:oleObj>
               </mc:Choice>
               <mc:Fallback>
-                <p:oleObj name="Equation" r:id="rId7" imgW="1091880" imgH="634680" progId="Equation.3">
+                <p:oleObj name="Equation" r:id="rId6" imgW="1091880" imgH="634680" progId="Equation.3">
                   <p:embed/>
                   <p:pic>
                     <p:nvPicPr>
@@ -13160,7 +13160,7 @@
                       <p:nvPr/>
                     </p:nvPicPr>
                     <p:blipFill>
-                      <a:blip r:embed="rId8"/>
+                      <a:blip r:embed="rId7"/>
                       <a:srcRect/>
                       <a:stretch>
                         <a:fillRect/>
@@ -13855,12 +13855,12 @@
           <a:graphicData uri="http://schemas.openxmlformats.org/presentationml/2006/ole">
             <mc:AlternateContent xmlns:mc="http://schemas.openxmlformats.org/markup-compatibility/2006">
               <mc:Choice xmlns:v="urn:schemas-microsoft-com:vml" Requires="v">
-                <p:oleObj spid="_x0000_s40974" name="Equation" r:id="rId3" imgW="1473120" imgH="1676160" progId="Equation.3">
+                <p:oleObj name="Equation" r:id="rId2" imgW="1473120" imgH="1676160" progId="Equation.3">
                   <p:embed/>
                 </p:oleObj>
               </mc:Choice>
               <mc:Fallback>
-                <p:oleObj name="Equation" r:id="rId3" imgW="1473120" imgH="1676160" progId="Equation.3">
+                <p:oleObj name="Equation" r:id="rId2" imgW="1473120" imgH="1676160" progId="Equation.3">
                   <p:embed/>
                   <p:pic>
                     <p:nvPicPr>
@@ -13871,7 +13871,7 @@
                       <p:nvPr/>
                     </p:nvPicPr>
                     <p:blipFill>
-                      <a:blip r:embed="rId4"/>
+                      <a:blip r:embed="rId3"/>
                       <a:srcRect/>
                       <a:stretch>
                         <a:fillRect/>
@@ -14207,12 +14207,12 @@
           <a:graphicData uri="http://schemas.openxmlformats.org/presentationml/2006/ole">
             <mc:AlternateContent xmlns:mc="http://schemas.openxmlformats.org/markup-compatibility/2006">
               <mc:Choice xmlns:v="urn:schemas-microsoft-com:vml" Requires="v">
-                <p:oleObj spid="_x0000_s49182" name="Equation" r:id="rId3" imgW="2234880" imgH="1981080" progId="Equation.3">
+                <p:oleObj name="Equation" r:id="rId2" imgW="2234880" imgH="1981080" progId="Equation.3">
                   <p:embed/>
                 </p:oleObj>
               </mc:Choice>
               <mc:Fallback>
-                <p:oleObj name="Equation" r:id="rId3" imgW="2234880" imgH="1981080" progId="Equation.3">
+                <p:oleObj name="Equation" r:id="rId2" imgW="2234880" imgH="1981080" progId="Equation.3">
                   <p:embed/>
                   <p:pic>
                     <p:nvPicPr>
@@ -14223,7 +14223,7 @@
                       <p:nvPr/>
                     </p:nvPicPr>
                     <p:blipFill>
-                      <a:blip r:embed="rId4"/>
+                      <a:blip r:embed="rId3"/>
                       <a:srcRect/>
                       <a:stretch>
                         <a:fillRect/>
@@ -14274,12 +14274,12 @@
           <a:graphicData uri="http://schemas.openxmlformats.org/presentationml/2006/ole">
             <mc:AlternateContent xmlns:mc="http://schemas.openxmlformats.org/markup-compatibility/2006">
               <mc:Choice xmlns:v="urn:schemas-microsoft-com:vml" Requires="v">
-                <p:oleObj spid="_x0000_s49183" name="Equation" r:id="rId5" imgW="1879560" imgH="863280" progId="Equation.3">
+                <p:oleObj name="Equation" r:id="rId4" imgW="1879560" imgH="863280" progId="Equation.3">
                   <p:embed/>
                 </p:oleObj>
               </mc:Choice>
               <mc:Fallback>
-                <p:oleObj name="Equation" r:id="rId5" imgW="1879560" imgH="863280" progId="Equation.3">
+                <p:oleObj name="Equation" r:id="rId4" imgW="1879560" imgH="863280" progId="Equation.3">
                   <p:embed/>
                   <p:pic>
                     <p:nvPicPr>
@@ -14290,7 +14290,7 @@
                       <p:nvPr/>
                     </p:nvPicPr>
                     <p:blipFill>
-                      <a:blip r:embed="rId6"/>
+                      <a:blip r:embed="rId5"/>
                       <a:srcRect/>
                       <a:stretch>
                         <a:fillRect/>
@@ -14341,12 +14341,12 @@
           <a:graphicData uri="http://schemas.openxmlformats.org/presentationml/2006/ole">
             <mc:AlternateContent xmlns:mc="http://schemas.openxmlformats.org/markup-compatibility/2006">
               <mc:Choice xmlns:v="urn:schemas-microsoft-com:vml" Requires="v">
-                <p:oleObj spid="_x0000_s49184" name="Equation" r:id="rId7" imgW="1523880" imgH="1091880" progId="Equation.3">
+                <p:oleObj name="Equation" r:id="rId6" imgW="1523880" imgH="1091880" progId="Equation.3">
                   <p:embed/>
                 </p:oleObj>
               </mc:Choice>
               <mc:Fallback>
-                <p:oleObj name="Equation" r:id="rId7" imgW="1523880" imgH="1091880" progId="Equation.3">
+                <p:oleObj name="Equation" r:id="rId6" imgW="1523880" imgH="1091880" progId="Equation.3">
                   <p:embed/>
                   <p:pic>
                     <p:nvPicPr>
@@ -14357,7 +14357,7 @@
                       <p:nvPr/>
                     </p:nvPicPr>
                     <p:blipFill>
-                      <a:blip r:embed="rId8"/>
+                      <a:blip r:embed="rId7"/>
                       <a:srcRect/>
                       <a:stretch>
                         <a:fillRect/>
@@ -14417,12 +14417,12 @@
           <a:graphicData uri="http://schemas.openxmlformats.org/presentationml/2006/ole">
             <mc:AlternateContent xmlns:mc="http://schemas.openxmlformats.org/markup-compatibility/2006">
               <mc:Choice xmlns:v="urn:schemas-microsoft-com:vml" Requires="v">
-                <p:oleObj spid="_x0000_s49185" name="Equation" r:id="rId9" imgW="2336760" imgH="1422360" progId="Equation.3">
+                <p:oleObj name="Equation" r:id="rId8" imgW="2336760" imgH="1422360" progId="Equation.3">
                   <p:embed/>
                 </p:oleObj>
               </mc:Choice>
               <mc:Fallback>
-                <p:oleObj name="Equation" r:id="rId9" imgW="2336760" imgH="1422360" progId="Equation.3">
+                <p:oleObj name="Equation" r:id="rId8" imgW="2336760" imgH="1422360" progId="Equation.3">
                   <p:embed/>
                   <p:pic>
                     <p:nvPicPr>
@@ -14433,7 +14433,7 @@
                       <p:nvPr/>
                     </p:nvPicPr>
                     <p:blipFill>
-                      <a:blip r:embed="rId10"/>
+                      <a:blip r:embed="rId9"/>
                       <a:srcRect/>
                       <a:stretch>
                         <a:fillRect/>
@@ -14753,12 +14753,12 @@
           <a:graphicData uri="http://schemas.openxmlformats.org/presentationml/2006/ole">
             <mc:AlternateContent xmlns:mc="http://schemas.openxmlformats.org/markup-compatibility/2006">
               <mc:Choice xmlns:v="urn:schemas-microsoft-com:vml" Requires="v">
-                <p:oleObj spid="_x0000_s44069" name="Equation" r:id="rId3" imgW="2031840" imgH="1562040" progId="Equation.3">
+                <p:oleObj name="Equation" r:id="rId2" imgW="2031840" imgH="1562040" progId="Equation.3">
                   <p:embed/>
                 </p:oleObj>
               </mc:Choice>
               <mc:Fallback>
-                <p:oleObj name="Equation" r:id="rId3" imgW="2031840" imgH="1562040" progId="Equation.3">
+                <p:oleObj name="Equation" r:id="rId2" imgW="2031840" imgH="1562040" progId="Equation.3">
                   <p:embed/>
                   <p:pic>
                     <p:nvPicPr>
@@ -14769,7 +14769,7 @@
                       <p:nvPr/>
                     </p:nvPicPr>
                     <p:blipFill>
-                      <a:blip r:embed="rId4"/>
+                      <a:blip r:embed="rId3"/>
                       <a:srcRect/>
                       <a:stretch>
                         <a:fillRect/>
@@ -14823,12 +14823,12 @@
           <a:graphicData uri="http://schemas.openxmlformats.org/presentationml/2006/ole">
             <mc:AlternateContent xmlns:mc="http://schemas.openxmlformats.org/markup-compatibility/2006">
               <mc:Choice xmlns:v="urn:schemas-microsoft-com:vml" Requires="v">
-                <p:oleObj spid="_x0000_s44070" name="Equation" r:id="rId5" imgW="1066680" imgH="634680" progId="Equation.3">
+                <p:oleObj name="Equation" r:id="rId4" imgW="1066680" imgH="634680" progId="Equation.3">
                   <p:embed/>
                 </p:oleObj>
               </mc:Choice>
               <mc:Fallback>
-                <p:oleObj name="Equation" r:id="rId5" imgW="1066680" imgH="634680" progId="Equation.3">
+                <p:oleObj name="Equation" r:id="rId4" imgW="1066680" imgH="634680" progId="Equation.3">
                   <p:embed/>
                   <p:pic>
                     <p:nvPicPr>
@@ -14839,7 +14839,7 @@
                       <p:nvPr/>
                     </p:nvPicPr>
                     <p:blipFill>
-                      <a:blip r:embed="rId6"/>
+                      <a:blip r:embed="rId5"/>
                       <a:srcRect/>
                       <a:stretch>
                         <a:fillRect/>
@@ -14893,12 +14893,12 @@
           <a:graphicData uri="http://schemas.openxmlformats.org/presentationml/2006/ole">
             <mc:AlternateContent xmlns:mc="http://schemas.openxmlformats.org/markup-compatibility/2006">
               <mc:Choice xmlns:v="urn:schemas-microsoft-com:vml" Requires="v">
-                <p:oleObj spid="_x0000_s44071" name="Equation" r:id="rId7" imgW="1104840" imgH="634680" progId="Equation.3">
+                <p:oleObj name="Equation" r:id="rId6" imgW="1104840" imgH="634680" progId="Equation.3">
                   <p:embed/>
                 </p:oleObj>
               </mc:Choice>
               <mc:Fallback>
-                <p:oleObj name="Equation" r:id="rId7" imgW="1104840" imgH="634680" progId="Equation.3">
+                <p:oleObj name="Equation" r:id="rId6" imgW="1104840" imgH="634680" progId="Equation.3">
                   <p:embed/>
                   <p:pic>
                     <p:nvPicPr>
@@ -14909,7 +14909,7 @@
                       <p:nvPr/>
                     </p:nvPicPr>
                     <p:blipFill>
-                      <a:blip r:embed="rId8"/>
+                      <a:blip r:embed="rId7"/>
                       <a:srcRect/>
                       <a:stretch>
                         <a:fillRect/>
@@ -14969,12 +14969,12 @@
           <a:graphicData uri="http://schemas.openxmlformats.org/presentationml/2006/ole">
             <mc:AlternateContent xmlns:mc="http://schemas.openxmlformats.org/markup-compatibility/2006">
               <mc:Choice xmlns:v="urn:schemas-microsoft-com:vml" Requires="v">
-                <p:oleObj spid="_x0000_s44072" name="Equation" r:id="rId9" imgW="2222280" imgH="1422360" progId="Equation.3">
+                <p:oleObj name="Equation" r:id="rId8" imgW="2222280" imgH="1422360" progId="Equation.3">
                   <p:embed/>
                 </p:oleObj>
               </mc:Choice>
               <mc:Fallback>
-                <p:oleObj name="Equation" r:id="rId9" imgW="2222280" imgH="1422360" progId="Equation.3">
+                <p:oleObj name="Equation" r:id="rId8" imgW="2222280" imgH="1422360" progId="Equation.3">
                   <p:embed/>
                   <p:pic>
                     <p:nvPicPr>
@@ -14985,7 +14985,7 @@
                       <p:nvPr/>
                     </p:nvPicPr>
                     <p:blipFill>
-                      <a:blip r:embed="rId10"/>
+                      <a:blip r:embed="rId9"/>
                       <a:srcRect/>
                       <a:stretch>
                         <a:fillRect/>
@@ -15205,12 +15205,12 @@
           <a:graphicData uri="http://schemas.openxmlformats.org/presentationml/2006/ole">
             <mc:AlternateContent xmlns:mc="http://schemas.openxmlformats.org/markup-compatibility/2006">
               <mc:Choice xmlns:v="urn:schemas-microsoft-com:vml" Requires="v">
-                <p:oleObj spid="_x0000_s46112" name="Equation" r:id="rId3" imgW="2501640" imgH="2412720" progId="Equation.3">
+                <p:oleObj name="Equation" r:id="rId2" imgW="2501640" imgH="2412720" progId="Equation.3">
                   <p:embed/>
                 </p:oleObj>
               </mc:Choice>
               <mc:Fallback>
-                <p:oleObj name="Equation" r:id="rId3" imgW="2501640" imgH="2412720" progId="Equation.3">
+                <p:oleObj name="Equation" r:id="rId2" imgW="2501640" imgH="2412720" progId="Equation.3">
                   <p:embed/>
                   <p:pic>
                     <p:nvPicPr>
@@ -15221,7 +15221,7 @@
                       <p:nvPr/>
                     </p:nvPicPr>
                     <p:blipFill>
-                      <a:blip r:embed="rId4"/>
+                      <a:blip r:embed="rId3"/>
                       <a:srcRect/>
                       <a:stretch>
                         <a:fillRect/>
@@ -15266,12 +15266,12 @@
           <a:graphicData uri="http://schemas.openxmlformats.org/presentationml/2006/ole">
             <mc:AlternateContent xmlns:mc="http://schemas.openxmlformats.org/markup-compatibility/2006">
               <mc:Choice xmlns:v="urn:schemas-microsoft-com:vml" Requires="v">
-                <p:oleObj spid="_x0000_s46113" name="Equation" r:id="rId5" imgW="1193760" imgH="634680" progId="Equation.3">
+                <p:oleObj name="Equation" r:id="rId4" imgW="1193760" imgH="634680" progId="Equation.3">
                   <p:embed/>
                 </p:oleObj>
               </mc:Choice>
               <mc:Fallback>
-                <p:oleObj name="Equation" r:id="rId5" imgW="1193760" imgH="634680" progId="Equation.3">
+                <p:oleObj name="Equation" r:id="rId4" imgW="1193760" imgH="634680" progId="Equation.3">
                   <p:embed/>
                   <p:pic>
                     <p:nvPicPr>
@@ -15282,7 +15282,7 @@
                       <p:nvPr/>
                     </p:nvPicPr>
                     <p:blipFill>
-                      <a:blip r:embed="rId6"/>
+                      <a:blip r:embed="rId5"/>
                       <a:srcRect/>
                       <a:stretch>
                         <a:fillRect/>
@@ -15327,12 +15327,12 @@
           <a:graphicData uri="http://schemas.openxmlformats.org/presentationml/2006/ole">
             <mc:AlternateContent xmlns:mc="http://schemas.openxmlformats.org/markup-compatibility/2006">
               <mc:Choice xmlns:v="urn:schemas-microsoft-com:vml" Requires="v">
-                <p:oleObj spid="_x0000_s46114" name="Equation" r:id="rId7" imgW="1206360" imgH="634680" progId="Equation.3">
+                <p:oleObj name="Equation" r:id="rId6" imgW="1206360" imgH="634680" progId="Equation.3">
                   <p:embed/>
                 </p:oleObj>
               </mc:Choice>
               <mc:Fallback>
-                <p:oleObj name="Equation" r:id="rId7" imgW="1206360" imgH="634680" progId="Equation.3">
+                <p:oleObj name="Equation" r:id="rId6" imgW="1206360" imgH="634680" progId="Equation.3">
                   <p:embed/>
                   <p:pic>
                     <p:nvPicPr>
@@ -15343,7 +15343,7 @@
                       <p:nvPr/>
                     </p:nvPicPr>
                     <p:blipFill>
-                      <a:blip r:embed="rId8"/>
+                      <a:blip r:embed="rId7"/>
                       <a:srcRect/>
                       <a:stretch>
                         <a:fillRect/>
@@ -15654,19 +15654,11 @@
                   <a:schemeClr val="accent2"/>
                 </a:solidFill>
               </a:rPr>
-              <a:t>Selling Price</a:t>
+              <a:t>Selling Price </a:t>
             </a:r>
             <a:r>
               <a:rPr lang="en-US" dirty="0"/>
-              <a:t>( Retail price</a:t>
-            </a:r>
-            <a:r>
-              <a:rPr lang="en-US" b="1" dirty="0"/>
-              <a:t>)</a:t>
-            </a:r>
-            <a:r>
-              <a:rPr lang="en-US" dirty="0"/>
-              <a:t>: the price of merchandise being sold.</a:t>
+              <a:t>(Retail price): the price of merchandise being sold.</a:t>
             </a:r>
           </a:p>
           <a:p>
@@ -15712,7 +15704,7 @@
             </a:r>
             <a:r>
               <a:rPr lang="en-US" dirty="0"/>
-              <a:t>: the difference between the cost and selling or retail price. It usually must be enough to pay expenses and make a profit. Its sometimes called </a:t>
+              <a:t>: the difference between the cost and selling or retail price. It usually must be enough to pay expenses and make a profit. Its sometimes-called </a:t>
             </a:r>
             <a:r>
               <a:rPr lang="en-US" b="1" i="1" u="sng" dirty="0">
@@ -15948,12 +15940,12 @@
           <a:graphicData uri="http://schemas.openxmlformats.org/presentationml/2006/ole">
             <mc:AlternateContent xmlns:mc="http://schemas.openxmlformats.org/markup-compatibility/2006">
               <mc:Choice xmlns:v="urn:schemas-microsoft-com:vml" Requires="v">
-                <p:oleObj spid="_x0000_s47132" name="Equation" r:id="rId3" imgW="1473120" imgH="431640" progId="Equation.3">
+                <p:oleObj name="Equation" r:id="rId2" imgW="1473120" imgH="431640" progId="Equation.3">
                   <p:embed/>
                 </p:oleObj>
               </mc:Choice>
               <mc:Fallback>
-                <p:oleObj name="Equation" r:id="rId3" imgW="1473120" imgH="431640" progId="Equation.3">
+                <p:oleObj name="Equation" r:id="rId2" imgW="1473120" imgH="431640" progId="Equation.3">
                   <p:embed/>
                   <p:pic>
                     <p:nvPicPr>
@@ -15962,7 +15954,7 @@
                       <p:nvPr/>
                     </p:nvPicPr>
                     <p:blipFill>
-                      <a:blip r:embed="rId4"/>
+                      <a:blip r:embed="rId3"/>
                       <a:stretch>
                         <a:fillRect/>
                       </a:stretch>
@@ -16011,12 +16003,12 @@
           <a:graphicData uri="http://schemas.openxmlformats.org/presentationml/2006/ole">
             <mc:AlternateContent xmlns:mc="http://schemas.openxmlformats.org/markup-compatibility/2006">
               <mc:Choice xmlns:v="urn:schemas-microsoft-com:vml" Requires="v">
-                <p:oleObj spid="_x0000_s47133" name="Equation" r:id="rId5" imgW="1473120" imgH="431640" progId="Equation.3">
+                <p:oleObj name="Equation" r:id="rId4" imgW="1473120" imgH="431640" progId="Equation.3">
                   <p:embed/>
                 </p:oleObj>
               </mc:Choice>
               <mc:Fallback>
-                <p:oleObj name="Equation" r:id="rId5" imgW="1473120" imgH="431640" progId="Equation.3">
+                <p:oleObj name="Equation" r:id="rId4" imgW="1473120" imgH="431640" progId="Equation.3">
                   <p:embed/>
                   <p:pic>
                     <p:nvPicPr>
@@ -16031,7 +16023,7 @@
                       <p:nvPr/>
                     </p:nvPicPr>
                     <p:blipFill>
-                      <a:blip r:embed="rId6"/>
+                      <a:blip r:embed="rId5"/>
                       <a:stretch>
                         <a:fillRect/>
                       </a:stretch>
@@ -16196,12 +16188,12 @@
           <a:graphicData uri="http://schemas.openxmlformats.org/presentationml/2006/ole">
             <mc:AlternateContent xmlns:mc="http://schemas.openxmlformats.org/markup-compatibility/2006">
               <mc:Choice xmlns:v="urn:schemas-microsoft-com:vml" Requires="v">
-                <p:oleObj spid="_x0000_s37912" name="Equation" r:id="rId3" imgW="1117115" imgH="444307" progId="Equation.3">
+                <p:oleObj name="Equation" r:id="rId2" imgW="1117115" imgH="444307" progId="Equation.3">
                   <p:embed/>
                 </p:oleObj>
               </mc:Choice>
               <mc:Fallback>
-                <p:oleObj name="Equation" r:id="rId3" imgW="1117115" imgH="444307" progId="Equation.3">
+                <p:oleObj name="Equation" r:id="rId2" imgW="1117115" imgH="444307" progId="Equation.3">
                   <p:embed/>
                   <p:pic>
                     <p:nvPicPr>
@@ -16212,7 +16204,7 @@
                       <p:nvPr/>
                     </p:nvPicPr>
                     <p:blipFill>
-                      <a:blip r:embed="rId4">
+                      <a:blip r:embed="rId3">
                         <a:extLst>
                           <a:ext uri="{28A0092B-C50C-407E-A947-70E740481C1C}">
                             <a14:useLocalDpi xmlns:a14="http://schemas.microsoft.com/office/drawing/2010/main" val="0"/>
@@ -16272,12 +16264,12 @@
           <a:graphicData uri="http://schemas.openxmlformats.org/presentationml/2006/ole">
             <mc:AlternateContent xmlns:mc="http://schemas.openxmlformats.org/markup-compatibility/2006">
               <mc:Choice xmlns:v="urn:schemas-microsoft-com:vml" Requires="v">
-                <p:oleObj spid="_x0000_s37913" name="Equation" r:id="rId5" imgW="1104900" imgH="444500" progId="Equation.3">
+                <p:oleObj name="Equation" r:id="rId4" imgW="1104900" imgH="444500" progId="Equation.3">
                   <p:embed/>
                 </p:oleObj>
               </mc:Choice>
               <mc:Fallback>
-                <p:oleObj name="Equation" r:id="rId5" imgW="1104900" imgH="444500" progId="Equation.3">
+                <p:oleObj name="Equation" r:id="rId4" imgW="1104900" imgH="444500" progId="Equation.3">
                   <p:embed/>
                   <p:pic>
                     <p:nvPicPr>
@@ -16288,7 +16280,7 @@
                       <p:nvPr/>
                     </p:nvPicPr>
                     <p:blipFill>
-                      <a:blip r:embed="rId6">
+                      <a:blip r:embed="rId5">
                         <a:extLst>
                           <a:ext uri="{28A0092B-C50C-407E-A947-70E740481C1C}">
                             <a14:useLocalDpi xmlns:a14="http://schemas.microsoft.com/office/drawing/2010/main" val="0"/>
@@ -17103,12 +17095,12 @@
           <a:graphicData uri="http://schemas.openxmlformats.org/presentationml/2006/ole">
             <mc:AlternateContent xmlns:mc="http://schemas.openxmlformats.org/markup-compatibility/2006">
               <mc:Choice xmlns:v="urn:schemas-microsoft-com:vml" Requires="v">
-                <p:oleObj spid="_x0000_s48140" name="Equation" r:id="rId3" imgW="1917360" imgH="838080" progId="Equation.3">
+                <p:oleObj name="Equation" r:id="rId2" imgW="1917360" imgH="838080" progId="Equation.3">
                   <p:embed/>
                 </p:oleObj>
               </mc:Choice>
               <mc:Fallback>
-                <p:oleObj name="Equation" r:id="rId3" imgW="1917360" imgH="838080" progId="Equation.3">
+                <p:oleObj name="Equation" r:id="rId2" imgW="1917360" imgH="838080" progId="Equation.3">
                   <p:embed/>
                   <p:pic>
                     <p:nvPicPr>
@@ -17117,7 +17109,7 @@
                       <p:nvPr/>
                     </p:nvPicPr>
                     <p:blipFill>
-                      <a:blip r:embed="rId4"/>
+                      <a:blip r:embed="rId3"/>
                       <a:stretch>
                         <a:fillRect/>
                       </a:stretch>
